--- a/documentation/CPE496 PDR Slides.pptx
+++ b/documentation/CPE496 PDR Slides.pptx
@@ -17975,13 +17975,13 @@
               <a:rPr lang="en-US" sz="3200" dirty="0" smtClean="0">
                 <a:latin typeface="Arial"/>
               </a:rPr>
-              <a:t>Jairo Arreola – </a:t>
+              <a:t>Jairo Arreola </a:t>
             </a:r>
             <a:r>
               <a:rPr lang="en-US" sz="3200" dirty="0" smtClean="0">
                 <a:latin typeface="Arial"/>
               </a:rPr>
-              <a:t>Navigation Auxiliary. Utility </a:t>
+              <a:t>– Utility </a:t>
             </a:r>
             <a:r>
               <a:rPr lang="en-US" sz="3200" dirty="0" smtClean="0">
@@ -17990,11 +17990,20 @@
               <a:t>Programmer</a:t>
             </a:r>
             <a:r>
-              <a:rPr lang="en-US" sz="3200" dirty="0" smtClean="0">
+              <a:rPr lang="en-US" sz="3200" dirty="0">
                 <a:latin typeface="Arial"/>
               </a:rPr>
-              <a:t>.</a:t>
-            </a:r>
+              <a:t>. </a:t>
+            </a:r>
+            <a:r>
+              <a:rPr lang="en-US" sz="3200">
+                <a:latin typeface="Arial"/>
+              </a:rPr>
+              <a:t>Navigation Auxiliary. </a:t>
+            </a:r>
+            <a:endParaRPr lang="en-US" sz="3200" dirty="0" smtClean="0">
+              <a:latin typeface="Arial"/>
+            </a:endParaRPr>
           </a:p>
           <a:p>
             <a:pPr marL="457200" indent="-457200">

--- a/documentation/CPE496 PDR Slides.pptx
+++ b/documentation/CPE496 PDR Slides.pptx
@@ -19,7 +19,7 @@
     <p:sldId id="265" r:id="rId10"/>
     <p:sldId id="267" r:id="rId11"/>
     <p:sldId id="259" r:id="rId12"/>
-    <p:sldId id="283" r:id="rId13"/>
+    <p:sldId id="284" r:id="rId13"/>
     <p:sldId id="268" r:id="rId14"/>
     <p:sldId id="279" r:id="rId15"/>
     <p:sldId id="269" r:id="rId16"/>
@@ -128,7 +128,7 @@
   </p:defaultTextStyle>
   <p:extLst>
     <p:ext uri="{EFAFB233-063F-42B5-8137-9DF3F51BA10A}">
-      <p15:sldGuideLst xmlns="" xmlns:p15="http://schemas.microsoft.com/office/powerpoint/2012/main">
+      <p15:sldGuideLst xmlns:p15="http://schemas.microsoft.com/office/powerpoint/2012/main">
         <p15:guide id="1" orient="horz" pos="2381">
           <p15:clr>
             <a:srgbClr val="A4A3A4"/>
@@ -227,7 +227,7 @@
           <a:p>
             <a:fld id="{64F5BD59-EA24-4708-A3AE-743C37320B65}" type="datetimeFigureOut">
               <a:rPr lang="en-US" smtClean="0"/>
-              <a:t>2/21/2017</a:t>
+              <a:t>2/22/2017</a:t>
             </a:fld>
             <a:endParaRPr lang="en-US"/>
           </a:p>
@@ -5112,7 +5112,7 @@
           <a:p>
             <a:fld id="{48A87A34-81AB-432B-8DAE-1953F412C126}" type="datetimeFigureOut">
               <a:rPr lang="en-US" dirty="0"/>
-              <a:t>2/21/2017</a:t>
+              <a:t>2/22/2017</a:t>
             </a:fld>
             <a:endParaRPr lang="en-US" dirty="0"/>
           </a:p>
@@ -9212,7 +9212,7 @@
           <a:p>
             <a:fld id="{48A87A34-81AB-432B-8DAE-1953F412C126}" type="datetimeFigureOut">
               <a:rPr lang="en-US" dirty="0"/>
-              <a:t>2/21/2017</a:t>
+              <a:t>2/22/2017</a:t>
             </a:fld>
             <a:endParaRPr lang="en-US" dirty="0"/>
           </a:p>
@@ -14585,6 +14585,30 @@
 <file path=ppt/slides/slide12.xml><?xml version="1.0" encoding="utf-8"?>
 <p:sld xmlns:a="http://schemas.openxmlformats.org/drawingml/2006/main" xmlns:r="http://schemas.openxmlformats.org/officeDocument/2006/relationships" xmlns:p="http://schemas.openxmlformats.org/presentationml/2006/main">
   <p:cSld>
+    <p:bg>
+      <p:bgPr>
+        <a:blipFill>
+          <a:blip r:embed="rId2">
+            <a:duotone>
+              <a:schemeClr val="bg2">
+                <a:shade val="88000"/>
+                <a:hueMod val="106000"/>
+                <a:satMod val="140000"/>
+                <a:lumMod val="54000"/>
+              </a:schemeClr>
+              <a:schemeClr val="bg2">
+                <a:tint val="98000"/>
+                <a:hueMod val="90000"/>
+                <a:satMod val="150000"/>
+                <a:lumMod val="160000"/>
+              </a:schemeClr>
+            </a:duotone>
+          </a:blip>
+          <a:stretch/>
+        </a:blipFill>
+        <a:effectLst/>
+      </p:bgPr>
+    </p:bg>
     <p:spTree>
       <p:nvGrpSpPr>
         <p:cNvPr id="1" name=""/>
@@ -14601,18 +14625,18 @@
       </p:grpSpPr>
       <p:pic>
         <p:nvPicPr>
-          <p:cNvPr id="4" name="Picture 3"/>
+          <p:cNvPr id="17" name="Picture 16"/>
           <p:cNvPicPr>
             <a:picLocks noChangeAspect="1"/>
           </p:cNvPicPr>
           <p:nvPr/>
         </p:nvPicPr>
         <p:blipFill rotWithShape="1">
-          <a:blip r:embed="rId2">
+          <a:blip r:embed="rId3">
             <a:extLst>
               <a:ext uri="{BEBA8EAE-BF5A-486C-A8C5-ECC9F3942E4B}">
                 <a14:imgProps xmlns:a14="http://schemas.microsoft.com/office/drawing/2010/main">
-                  <a14:imgLayer r:embed="rId3">
+                  <a14:imgLayer r:embed="rId4">
                     <a14:imgEffect>
                       <a14:backgroundRemoval t="0" b="100000" l="0" r="100000">
                         <a14:foregroundMark x1="25126" y1="26452" x2="37940" y2="24104"/>
@@ -14668,7 +14692,7 @@
         </p:blipFill>
         <p:spPr>
           <a:xfrm>
-            <a:off x="1105635" y="124194"/>
+            <a:off x="1285517" y="184155"/>
             <a:ext cx="7697972" cy="7185641"/>
           </a:xfrm>
           <a:prstGeom prst="rect">
@@ -14678,14 +14702,14 @@
       </p:pic>
       <p:pic>
         <p:nvPicPr>
-          <p:cNvPr id="5" name="Picture 2" descr="https://i.groupme.com/1080x1920.png.78fe70e8fc0042918281a3be6616a580.large"/>
+          <p:cNvPr id="18" name="Picture 2" descr="https://i.groupme.com/1080x1920.png.78fe70e8fc0042918281a3be6616a580.large"/>
           <p:cNvPicPr>
             <a:picLocks noChangeAspect="1" noChangeArrowheads="1"/>
           </p:cNvPicPr>
           <p:nvPr/>
         </p:nvPicPr>
         <p:blipFill rotWithShape="1">
-          <a:blip r:embed="rId4">
+          <a:blip r:embed="rId5">
             <a:extLst>
               <a:ext uri="{28A0092B-C50C-407E-A947-70E740481C1C}">
                 <a14:useLocalDpi xmlns:a14="http://schemas.microsoft.com/office/drawing/2010/main" val="0"/>
@@ -14697,7 +14721,7 @@
         </p:blipFill>
         <p:spPr bwMode="auto">
           <a:xfrm>
-            <a:off x="1319275" y="933835"/>
+            <a:off x="1499157" y="993796"/>
             <a:ext cx="7316870" cy="6376000"/>
           </a:xfrm>
           <a:prstGeom prst="rect">
@@ -14717,13 +14741,13 @@
       </p:pic>
       <p:sp>
         <p:nvSpPr>
-          <p:cNvPr id="6" name="TextBox 5"/>
+          <p:cNvPr id="19" name="TextBox 18"/>
           <p:cNvSpPr txBox="1"/>
           <p:nvPr/>
         </p:nvSpPr>
         <p:spPr>
           <a:xfrm>
-            <a:off x="2030667" y="6600149"/>
+            <a:off x="2210549" y="6660110"/>
             <a:ext cx="1616149" cy="400110"/>
           </a:xfrm>
           <a:prstGeom prst="rect">
@@ -14760,13 +14784,13 @@
       </p:sp>
       <p:sp>
         <p:nvSpPr>
-          <p:cNvPr id="10" name="TextBox 9"/>
+          <p:cNvPr id="20" name="TextBox 19"/>
           <p:cNvSpPr txBox="1"/>
           <p:nvPr/>
         </p:nvSpPr>
         <p:spPr>
           <a:xfrm>
-            <a:off x="5638648" y="6600151"/>
+            <a:off x="5818530" y="6660112"/>
             <a:ext cx="1616149" cy="400110"/>
           </a:xfrm>
           <a:prstGeom prst="rect">
@@ -14803,13 +14827,13 @@
       </p:sp>
       <p:sp>
         <p:nvSpPr>
-          <p:cNvPr id="11" name="TextBox 10"/>
+          <p:cNvPr id="21" name="TextBox 20"/>
           <p:cNvSpPr txBox="1"/>
           <p:nvPr/>
         </p:nvSpPr>
         <p:spPr>
           <a:xfrm>
-            <a:off x="3863011" y="6600149"/>
+            <a:off x="4042893" y="6660110"/>
             <a:ext cx="1616149" cy="400112"/>
           </a:xfrm>
           <a:prstGeom prst="rect">
@@ -14849,13 +14873,13 @@
       </p:sp>
       <p:sp>
         <p:nvSpPr>
-          <p:cNvPr id="8" name="Rounded Rectangle 7"/>
+          <p:cNvPr id="22" name="Rounded Rectangle 21"/>
           <p:cNvSpPr/>
           <p:nvPr/>
         </p:nvSpPr>
         <p:spPr>
           <a:xfrm>
-            <a:off x="3863011" y="6561817"/>
+            <a:off x="4042893" y="6621778"/>
             <a:ext cx="1616149" cy="438442"/>
           </a:xfrm>
           <a:prstGeom prst="roundRect">
@@ -14892,14 +14916,14 @@
           <a:p>
             <a:pPr algn="ctr"/>
             <a:r>
-              <a:rPr lang="en-US" sz="2000" b="1" dirty="0" smtClean="0">
+              <a:rPr lang="en-US" b="1" dirty="0" smtClean="0">
                 <a:solidFill>
                   <a:schemeClr val="bg1"/>
                 </a:solidFill>
               </a:rPr>
               <a:t>New Search</a:t>
             </a:r>
-            <a:endParaRPr lang="en-US" sz="2000" b="1" dirty="0">
+            <a:endParaRPr lang="en-US" b="1" dirty="0">
               <a:solidFill>
                 <a:schemeClr val="bg1"/>
               </a:solidFill>
@@ -14909,14 +14933,14 @@
       </p:sp>
       <p:pic>
         <p:nvPicPr>
-          <p:cNvPr id="2054" name="Picture 6" descr="https://i.groupme.com/756x1008.png.271b65f49db64b9d9ecced54d0bf6be0.large"/>
+          <p:cNvPr id="23" name="Picture 6" descr="https://i.groupme.com/756x1008.png.271b65f49db64b9d9ecced54d0bf6be0.large"/>
           <p:cNvPicPr>
             <a:picLocks noChangeAspect="1" noChangeArrowheads="1"/>
           </p:cNvPicPr>
           <p:nvPr/>
         </p:nvPicPr>
         <p:blipFill rotWithShape="1">
-          <a:blip r:embed="rId5">
+          <a:blip r:embed="rId6">
             <a:extLst>
               <a:ext uri="{28A0092B-C50C-407E-A947-70E740481C1C}">
                 <a14:useLocalDpi xmlns:a14="http://schemas.microsoft.com/office/drawing/2010/main" val="0"/>
@@ -14928,7 +14952,7 @@
         </p:blipFill>
         <p:spPr bwMode="auto">
           <a:xfrm>
-            <a:off x="1319273" y="1242461"/>
+            <a:off x="1499155" y="1302422"/>
             <a:ext cx="7316871" cy="5319356"/>
           </a:xfrm>
           <a:prstGeom prst="rect">
@@ -14948,13 +14972,13 @@
       </p:pic>
       <p:cxnSp>
         <p:nvCxnSpPr>
-          <p:cNvPr id="13" name="Straight Connector 12"/>
+          <p:cNvPr id="24" name="Straight Connector 23"/>
           <p:cNvCxnSpPr/>
           <p:nvPr/>
         </p:nvCxnSpPr>
         <p:spPr>
           <a:xfrm>
-            <a:off x="1839281" y="5055807"/>
+            <a:off x="2019163" y="5115768"/>
             <a:ext cx="839972" cy="0"/>
           </a:xfrm>
           <a:prstGeom prst="line">
@@ -14983,13 +15007,13 @@
       </p:cxnSp>
       <p:cxnSp>
         <p:nvCxnSpPr>
-          <p:cNvPr id="20" name="Straight Connector 19"/>
+          <p:cNvPr id="25" name="Straight Connector 24"/>
           <p:cNvCxnSpPr/>
           <p:nvPr/>
         </p:nvCxnSpPr>
         <p:spPr>
           <a:xfrm>
-            <a:off x="2662165" y="3841209"/>
+            <a:off x="2842047" y="3901170"/>
             <a:ext cx="34176" cy="1198341"/>
           </a:xfrm>
           <a:prstGeom prst="line">
@@ -15018,13 +15042,13 @@
       </p:cxnSp>
       <p:cxnSp>
         <p:nvCxnSpPr>
-          <p:cNvPr id="24" name="Straight Connector 23"/>
+          <p:cNvPr id="26" name="Straight Connector 25"/>
           <p:cNvCxnSpPr/>
           <p:nvPr/>
         </p:nvCxnSpPr>
         <p:spPr>
           <a:xfrm>
-            <a:off x="2242179" y="3841209"/>
+            <a:off x="2422061" y="3901170"/>
             <a:ext cx="419986" cy="0"/>
           </a:xfrm>
           <a:prstGeom prst="line">
@@ -15056,7 +15080,7 @@
     </p:spTree>
     <p:extLst>
       <p:ext uri="{BB962C8B-B14F-4D97-AF65-F5344CB8AC3E}">
-        <p14:creationId xmlns:p14="http://schemas.microsoft.com/office/powerpoint/2010/main" val="2343902650"/>
+        <p14:creationId xmlns:p14="http://schemas.microsoft.com/office/powerpoint/2010/main" val="1876470731"/>
       </p:ext>
     </p:extLst>
   </p:cSld>
@@ -15066,7 +15090,27 @@
   <p:timing>
     <p:tnLst>
       <p:par>
-        <p:cTn id="1" dur="indefinite" restart="never" nodeType="tmRoot"/>
+        <p:cTn id="1" dur="indefinite" restart="never" nodeType="tmRoot">
+          <p:childTnLst>
+            <p:seq>
+              <p:cTn id="2" nodeType="mainSeq"/>
+              <p:prevCondLst>
+                <p:cond evt="onPrev" delay="0">
+                  <p:tgtEl>
+                    <p:sldTgt/>
+                  </p:tgtEl>
+                </p:cond>
+              </p:prevCondLst>
+              <p:nextCondLst>
+                <p:cond evt="onNext" delay="0">
+                  <p:tgtEl>
+                    <p:sldTgt/>
+                  </p:tgtEl>
+                </p:cond>
+              </p:nextCondLst>
+            </p:seq>
+          </p:childTnLst>
+        </p:cTn>
       </p:par>
     </p:tnLst>
   </p:timing>
@@ -16526,13 +16570,7 @@
               <a:rPr lang="en-US" sz="3200" dirty="0" smtClean="0">
                 <a:latin typeface="Arial"/>
               </a:rPr>
-              <a:t>Google Play Store </a:t>
-            </a:r>
-            <a:r>
-              <a:rPr lang="en-US" sz="3200" dirty="0" smtClean="0">
-                <a:latin typeface="Arial"/>
-              </a:rPr>
-              <a:t>fee</a:t>
+              <a:t>Google Play Store fee</a:t>
             </a:r>
             <a:r>
               <a:rPr lang="en-US" sz="3200" dirty="0">
@@ -16544,13 +16582,7 @@
               <a:rPr lang="en-US" sz="3200" dirty="0" smtClean="0">
                 <a:latin typeface="Arial"/>
               </a:rPr>
-              <a:t>($</a:t>
-            </a:r>
-            <a:r>
-              <a:rPr lang="en-US" sz="3200" dirty="0" smtClean="0">
-                <a:latin typeface="Arial"/>
-              </a:rPr>
-              <a:t>25)</a:t>
+              <a:t>($25)</a:t>
             </a:r>
           </a:p>
           <a:p>
@@ -16985,7 +17017,7 @@
         <p:spPr/>
         <p:txBody>
           <a:bodyPr>
-            <a:normAutofit fontScale="92500" lnSpcReduction="10000"/>
+            <a:normAutofit fontScale="85000" lnSpcReduction="10000"/>
           </a:bodyPr>
           <a:lstStyle/>
           <a:p>
@@ -17975,31 +18007,13 @@
               <a:rPr lang="en-US" sz="3200" dirty="0" smtClean="0">
                 <a:latin typeface="Arial"/>
               </a:rPr>
-              <a:t>Jairo Arreola </a:t>
-            </a:r>
-            <a:r>
-              <a:rPr lang="en-US" sz="3200" dirty="0" smtClean="0">
-                <a:latin typeface="Arial"/>
-              </a:rPr>
-              <a:t>– Utility </a:t>
-            </a:r>
-            <a:r>
-              <a:rPr lang="en-US" sz="3200" dirty="0" smtClean="0">
-                <a:latin typeface="Arial"/>
-              </a:rPr>
-              <a:t>Programmer</a:t>
+              <a:t>Jairo Arreola – Utility Programmer</a:t>
             </a:r>
             <a:r>
               <a:rPr lang="en-US" sz="3200" dirty="0">
                 <a:latin typeface="Arial"/>
               </a:rPr>
-              <a:t>. </a:t>
-            </a:r>
-            <a:r>
-              <a:rPr lang="en-US" sz="3200">
-                <a:latin typeface="Arial"/>
-              </a:rPr>
-              <a:t>Navigation Auxiliary. </a:t>
+              <a:t>. Navigation Auxiliary. </a:t>
             </a:r>
             <a:endParaRPr lang="en-US" sz="3200" dirty="0" smtClean="0">
               <a:latin typeface="Arial"/>
@@ -18029,23 +18043,8 @@
               <a:rPr lang="en-US" sz="3200" dirty="0" smtClean="0">
                 <a:latin typeface="Arial"/>
               </a:rPr>
-              <a:t>Daniel </a:t>
-            </a:r>
-            <a:r>
-              <a:rPr lang="en-US" sz="3200" dirty="0" smtClean="0">
-                <a:latin typeface="Arial"/>
-              </a:rPr>
-              <a:t>Burris - Database Manager. </a:t>
-            </a:r>
-            <a:r>
-              <a:rPr lang="en-US" sz="3200" dirty="0" smtClean="0">
-                <a:latin typeface="Arial"/>
-              </a:rPr>
-              <a:t>GUI Designer Assistant.</a:t>
-            </a:r>
-            <a:endParaRPr lang="en-US" sz="3200" dirty="0" smtClean="0">
-              <a:latin typeface="Arial"/>
-            </a:endParaRPr>
+              <a:t>Daniel Burris - Database Manager. GUI Designer Assistant.</a:t>
+            </a:r>
           </a:p>
         </p:txBody>
       </p:sp>
@@ -18587,6 +18586,28 @@
               </a:rPr>
               <a:t>Static for each floorplan.</a:t>
             </a:r>
+          </a:p>
+          <a:p>
+            <a:pPr marL="1371600" lvl="2" indent="-457200">
+              <a:buSzPct val="100000"/>
+              <a:buFont typeface="Wingdings" panose="05000000000000000000" pitchFamily="2" charset="2"/>
+              <a:buChar char="Ø"/>
+            </a:pPr>
+            <a:r>
+              <a:rPr lang="en-US" dirty="0" smtClean="0">
+                <a:latin typeface="Arial"/>
+              </a:rPr>
+              <a:t>Base case: </a:t>
+            </a:r>
+            <a:r>
+              <a:rPr lang="en-US" smtClean="0">
+                <a:latin typeface="Arial"/>
+              </a:rPr>
+              <a:t>Engineering Building. </a:t>
+            </a:r>
+            <a:endParaRPr lang="en-US" dirty="0" smtClean="0">
+              <a:latin typeface="Arial"/>
+            </a:endParaRPr>
           </a:p>
           <a:p>
             <a:pPr marL="914400" lvl="1" indent="-457200">
@@ -19557,7 +19578,7 @@
   <a:extraClrSchemeLst/>
   <a:extLst>
     <a:ext uri="{05A4C25C-085E-4340-85A3-A5531E510DB2}">
-      <thm15:themeFamily xmlns="" xmlns:thm15="http://schemas.microsoft.com/office/thememl/2012/main" name="Circuit" id="{0AC2F7E7-15F5-431C-B2A2-456FE929F56C}" vid="{0911B802-464C-4241-8DD9-B60FF88E379F}"/>
+      <thm15:themeFamily xmlns:thm15="http://schemas.microsoft.com/office/thememl/2012/main" name="Circuit" id="{0AC2F7E7-15F5-431C-B2A2-456FE929F56C}" vid="{0911B802-464C-4241-8DD9-B60FF88E379F}"/>
     </a:ext>
   </a:extLst>
 </a:theme>

--- a/documentation/CPE496 PDR Slides.pptx
+++ b/documentation/CPE496 PDR Slides.pptx
@@ -227,7 +227,7 @@
           <a:p>
             <a:fld id="{64F5BD59-EA24-4708-A3AE-743C37320B65}" type="datetimeFigureOut">
               <a:rPr lang="en-US" smtClean="0"/>
-              <a:t>2/22/2017</a:t>
+              <a:t>2/23/2017</a:t>
             </a:fld>
             <a:endParaRPr lang="en-US"/>
           </a:p>
@@ -642,8 +642,29 @@
             </a:pPr>
             <a:r>
               <a:rPr lang="en-US" dirty="0" smtClean="0"/>
-              <a:t>Develop an Android App that allows for quick navigation around the UAH Campus. </a:t>
-            </a:r>
+              <a:t>Our</a:t>
+            </a:r>
+            <a:r>
+              <a:rPr lang="en-US" baseline="0" dirty="0" smtClean="0"/>
+              <a:t> goal is to d</a:t>
+            </a:r>
+            <a:r>
+              <a:rPr lang="en-US" dirty="0" smtClean="0"/>
+              <a:t>evelop </a:t>
+            </a:r>
+            <a:r>
+              <a:rPr lang="en-US" dirty="0" smtClean="0"/>
+              <a:t>an Android App that allows for quick navigation around the UAH Campus. </a:t>
+            </a:r>
+            <a:r>
+              <a:rPr lang="en-US" dirty="0" smtClean="0"/>
+              <a:t>You will be able to enter your class information and receive</a:t>
+            </a:r>
+            <a:r>
+              <a:rPr lang="en-US" baseline="0" dirty="0" smtClean="0"/>
+              <a:t> a drawn out path showing you how to get to the classroom.</a:t>
+            </a:r>
+            <a:endParaRPr lang="en-US" dirty="0" smtClean="0"/>
           </a:p>
           <a:p>
             <a:endParaRPr lang="en-US" dirty="0"/>
@@ -5112,7 +5133,7 @@
           <a:p>
             <a:fld id="{48A87A34-81AB-432B-8DAE-1953F412C126}" type="datetimeFigureOut">
               <a:rPr lang="en-US" dirty="0"/>
-              <a:t>2/22/2017</a:t>
+              <a:t>2/23/2017</a:t>
             </a:fld>
             <a:endParaRPr lang="en-US" dirty="0"/>
           </a:p>
@@ -9212,7 +9233,7 @@
           <a:p>
             <a:fld id="{48A87A34-81AB-432B-8DAE-1953F412C126}" type="datetimeFigureOut">
               <a:rPr lang="en-US" dirty="0"/>
-              <a:t>2/22/2017</a:t>
+              <a:t>2/23/2017</a:t>
             </a:fld>
             <a:endParaRPr lang="en-US" dirty="0"/>
           </a:p>
